--- a/presentation/Janus.pptx
+++ b/presentation/Janus.pptx
@@ -10,9 +10,10 @@
     <p:sldId id="257" r:id="rId4"/>
     <p:sldId id="258" r:id="rId5"/>
     <p:sldId id="260" r:id="rId6"/>
-    <p:sldId id="262" r:id="rId7"/>
-    <p:sldId id="265" r:id="rId8"/>
-    <p:sldId id="264" r:id="rId9"/>
+    <p:sldId id="266" r:id="rId7"/>
+    <p:sldId id="262" r:id="rId8"/>
+    <p:sldId id="265" r:id="rId9"/>
+    <p:sldId id="264" r:id="rId10"/>
   </p:sldIdLst>
   <p:sldSz cx="12192000" cy="6858000"/>
   <p:notesSz cx="6858000" cy="9144000"/>
@@ -111,7 +112,16 @@
       </a:defRPr>
     </a:lvl9pPr>
   </p:defaultTextStyle>
+  <p:extLst>
+    <p:ext uri="{EFAFB233-063F-42B5-8137-9DF3F51BA10A}">
+      <p15:sldGuideLst xmlns:p15="http://schemas.microsoft.com/office/powerpoint/2012/main"/>
+    </p:ext>
+  </p:extLst>
 </p:presentation>
+</file>
+
+<file path=ppt/revisionInfo.xml><?xml version="1.0" encoding="utf-8"?>
+<p1510:revInfo xmlns:a="http://schemas.openxmlformats.org/drawingml/2006/main" xmlns:r="http://schemas.openxmlformats.org/officeDocument/2006/relationships" xmlns:p1510="http://schemas.microsoft.com/office/powerpoint/2015/10/main"/>
 </file>
 
 <file path=ppt/slideLayouts/slideLayout1.xml><?xml version="1.0" encoding="utf-8"?>
@@ -4717,76 +4727,144 @@
       </p:grpSpPr>
       <p:sp>
         <p:nvSpPr>
-          <p:cNvPr id="10" name="Rectangle 9"/>
-          <p:cNvSpPr>
-            <a:spLocks noGrp="1" noRot="1" noChangeAspect="1" noMove="1" noResize="1" noEditPoints="1" noAdjustHandles="1" noChangeArrowheads="1" noChangeShapeType="1" noTextEdit="1"/>
-          </p:cNvSpPr>
-          <p:nvPr>
-            <p:extLst>
-              <p:ext uri="{386F3935-93C4-4BCD-93E2-E3B085C9AB24}">
-                <p16:designElem xmlns:p16="http://schemas.microsoft.com/office/powerpoint/2015/main" val="1"/>
-              </p:ext>
-            </p:extLst>
-          </p:nvPr>
-        </p:nvSpPr>
-        <p:spPr bwMode="white">
-          <a:xfrm>
-            <a:off x="0" y="0"/>
-            <a:ext cx="12192000" cy="6858000"/>
+          <p:cNvPr id="2" name="Title 1">
+            <a:extLst>
+              <a:ext uri="{FF2B5EF4-FFF2-40B4-BE49-F238E27FC236}">
+                <a16:creationId xmlns:a16="http://schemas.microsoft.com/office/drawing/2014/main" id="{CBF2FB64-065D-4E1B-9402-99ECB823A4DD}"/>
+              </a:ext>
+            </a:extLst>
+          </p:cNvPr>
+          <p:cNvSpPr>
+            <a:spLocks noGrp="1"/>
+          </p:cNvSpPr>
+          <p:nvPr>
+            <p:ph type="title"/>
+          </p:nvPr>
+        </p:nvSpPr>
+        <p:spPr/>
+        <p:txBody>
+          <a:bodyPr/>
+          <a:lstStyle/>
+          <a:p>
+            <a:r>
+              <a:rPr lang="en-GB" dirty="0"/>
+              <a:t>Technologies</a:t>
+            </a:r>
+            <a:endParaRPr lang="de-DE" dirty="0"/>
+          </a:p>
+        </p:txBody>
+      </p:sp>
+      <p:pic>
+        <p:nvPicPr>
+          <p:cNvPr id="5" name="Content Placeholder 4" descr="A picture containing thing&#10;&#10;Description generated with very high confidence">
+            <a:extLst>
+              <a:ext uri="{FF2B5EF4-FFF2-40B4-BE49-F238E27FC236}">
+                <a16:creationId xmlns:a16="http://schemas.microsoft.com/office/drawing/2014/main" id="{42586565-0E51-42C7-8E98-99D15F79706A}"/>
+              </a:ext>
+            </a:extLst>
+          </p:cNvPr>
+          <p:cNvPicPr>
+            <a:picLocks noGrp="1" noChangeAspect="1"/>
+          </p:cNvPicPr>
+          <p:nvPr>
+            <p:ph idx="1"/>
+          </p:nvPr>
+        </p:nvPicPr>
+        <p:blipFill>
+          <a:blip r:embed="rId2">
+            <a:extLst>
+              <a:ext uri="{28A0092B-C50C-407E-A947-70E740481C1C}">
+                <a14:useLocalDpi xmlns:a14="http://schemas.microsoft.com/office/drawing/2010/main" val="0"/>
+              </a:ext>
+            </a:extLst>
+          </a:blip>
+          <a:stretch>
+            <a:fillRect/>
+          </a:stretch>
+        </p:blipFill>
+        <p:spPr>
+          <a:xfrm>
+            <a:off x="838200" y="3577768"/>
+            <a:ext cx="2527612" cy="2527612"/>
+          </a:xfrm>
+        </p:spPr>
+      </p:pic>
+      <p:pic>
+        <p:nvPicPr>
+          <p:cNvPr id="7" name="Picture 6">
+            <a:extLst>
+              <a:ext uri="{FF2B5EF4-FFF2-40B4-BE49-F238E27FC236}">
+                <a16:creationId xmlns:a16="http://schemas.microsoft.com/office/drawing/2014/main" id="{88E88C3D-5783-48C7-8820-4AD2D7316AFF}"/>
+              </a:ext>
+            </a:extLst>
+          </p:cNvPr>
+          <p:cNvPicPr>
+            <a:picLocks noChangeAspect="1"/>
+          </p:cNvPicPr>
+          <p:nvPr/>
+        </p:nvPicPr>
+        <p:blipFill>
+          <a:blip r:embed="rId3">
+            <a:extLst>
+              <a:ext uri="{28A0092B-C50C-407E-A947-70E740481C1C}">
+                <a14:useLocalDpi xmlns:a14="http://schemas.microsoft.com/office/drawing/2010/main" val="0"/>
+              </a:ext>
+            </a:extLst>
+          </a:blip>
+          <a:stretch>
+            <a:fillRect/>
+          </a:stretch>
+        </p:blipFill>
+        <p:spPr>
+          <a:xfrm>
+            <a:off x="4002478" y="2200861"/>
+            <a:ext cx="3933825" cy="1162050"/>
           </a:xfrm>
           <a:prstGeom prst="rect">
             <a:avLst/>
           </a:prstGeom>
-          <a:solidFill>
-            <a:schemeClr val="bg1"/>
-          </a:solidFill>
-          <a:ln>
-            <a:noFill/>
-          </a:ln>
-          <a:effectLst/>
-        </p:spPr>
-      </p:sp>
-      <p:sp>
-        <p:nvSpPr>
-          <p:cNvPr id="2" name="Title 1">
-            <a:extLst>
-              <a:ext uri="{FF2B5EF4-FFF2-40B4-BE49-F238E27FC236}">
-                <a16:creationId xmlns:a16="http://schemas.microsoft.com/office/drawing/2014/main" id="{1FCF8BFB-94B7-4CE5-8013-D463F452502F}"/>
-              </a:ext>
-            </a:extLst>
-          </p:cNvPr>
-          <p:cNvSpPr>
-            <a:spLocks noGrp="1"/>
-          </p:cNvSpPr>
-          <p:nvPr>
-            <p:ph type="title"/>
-          </p:nvPr>
-        </p:nvSpPr>
+        </p:spPr>
+      </p:pic>
+      <p:pic>
+        <p:nvPicPr>
+          <p:cNvPr id="9" name="Picture 8" descr="A picture containing vector graphics&#10;&#10;Description generated with high confidence">
+            <a:extLst>
+              <a:ext uri="{FF2B5EF4-FFF2-40B4-BE49-F238E27FC236}">
+                <a16:creationId xmlns:a16="http://schemas.microsoft.com/office/drawing/2014/main" id="{8D0D5090-FD96-4AFB-B3BC-DCD35B2218DF}"/>
+              </a:ext>
+            </a:extLst>
+          </p:cNvPr>
+          <p:cNvPicPr>
+            <a:picLocks noChangeAspect="1"/>
+          </p:cNvPicPr>
+          <p:nvPr/>
+        </p:nvPicPr>
+        <p:blipFill>
+          <a:blip r:embed="rId4">
+            <a:extLst>
+              <a:ext uri="{28A0092B-C50C-407E-A947-70E740481C1C}">
+                <a14:useLocalDpi xmlns:a14="http://schemas.microsoft.com/office/drawing/2010/main" val="0"/>
+              </a:ext>
+            </a:extLst>
+          </a:blip>
+          <a:stretch>
+            <a:fillRect/>
+          </a:stretch>
+        </p:blipFill>
         <p:spPr>
           <a:xfrm>
-            <a:off x="530087" y="1046922"/>
-            <a:ext cx="11053918" cy="4848522"/>
-          </a:xfrm>
-        </p:spPr>
-        <p:txBody>
-          <a:bodyPr vert="horz" lIns="91440" tIns="45720" rIns="91440" bIns="45720" rtlCol="0" anchor="ctr">
-            <a:normAutofit/>
-          </a:bodyPr>
-          <a:lstStyle/>
-          <a:p>
-            <a:pPr algn="ctr"/>
-            <a:r>
-              <a:rPr lang="en-US" sz="7200" dirty="0"/>
-              <a:t>Demo</a:t>
-            </a:r>
-            <a:endParaRPr lang="en-US" dirty="0"/>
-          </a:p>
-        </p:txBody>
-      </p:sp>
+            <a:off x="8482818" y="3577768"/>
+            <a:ext cx="2870982" cy="2870982"/>
+          </a:xfrm>
+          <a:prstGeom prst="rect">
+            <a:avLst/>
+          </a:prstGeom>
+        </p:spPr>
+      </p:pic>
     </p:spTree>
     <p:extLst>
       <p:ext uri="{BB962C8B-B14F-4D97-AF65-F5344CB8AC3E}">
-        <p14:creationId xmlns:p14="http://schemas.microsoft.com/office/powerpoint/2010/main" val="1638284564"/>
+        <p14:creationId xmlns:p14="http://schemas.microsoft.com/office/powerpoint/2010/main" val="2782053249"/>
       </p:ext>
     </p:extLst>
   </p:cSld>
@@ -4875,6 +4953,104 @@
             <a:pPr algn="ctr"/>
             <a:r>
               <a:rPr lang="en-US" sz="7200" dirty="0"/>
+              <a:t>Demo</a:t>
+            </a:r>
+            <a:endParaRPr lang="en-US" dirty="0"/>
+          </a:p>
+        </p:txBody>
+      </p:sp>
+    </p:spTree>
+    <p:extLst>
+      <p:ext uri="{BB962C8B-B14F-4D97-AF65-F5344CB8AC3E}">
+        <p14:creationId xmlns:p14="http://schemas.microsoft.com/office/powerpoint/2010/main" val="1638284564"/>
+      </p:ext>
+    </p:extLst>
+  </p:cSld>
+  <p:clrMapOvr>
+    <a:masterClrMapping/>
+  </p:clrMapOvr>
+</p:sld>
+</file>
+
+<file path=ppt/slides/slide8.xml><?xml version="1.0" encoding="utf-8"?>
+<p:sld xmlns:a="http://schemas.openxmlformats.org/drawingml/2006/main" xmlns:r="http://schemas.openxmlformats.org/officeDocument/2006/relationships" xmlns:p="http://schemas.openxmlformats.org/presentationml/2006/main">
+  <p:cSld>
+    <p:spTree>
+      <p:nvGrpSpPr>
+        <p:cNvPr id="1" name=""/>
+        <p:cNvGrpSpPr/>
+        <p:nvPr/>
+      </p:nvGrpSpPr>
+      <p:grpSpPr>
+        <a:xfrm>
+          <a:off x="0" y="0"/>
+          <a:ext cx="0" cy="0"/>
+          <a:chOff x="0" y="0"/>
+          <a:chExt cx="0" cy="0"/>
+        </a:xfrm>
+      </p:grpSpPr>
+      <p:sp>
+        <p:nvSpPr>
+          <p:cNvPr id="10" name="Rectangle 9"/>
+          <p:cNvSpPr>
+            <a:spLocks noGrp="1" noRot="1" noChangeAspect="1" noMove="1" noResize="1" noEditPoints="1" noAdjustHandles="1" noChangeArrowheads="1" noChangeShapeType="1" noTextEdit="1"/>
+          </p:cNvSpPr>
+          <p:nvPr>
+            <p:extLst>
+              <p:ext uri="{386F3935-93C4-4BCD-93E2-E3B085C9AB24}">
+                <p16:designElem xmlns:p16="http://schemas.microsoft.com/office/powerpoint/2015/main" val="1"/>
+              </p:ext>
+            </p:extLst>
+          </p:nvPr>
+        </p:nvSpPr>
+        <p:spPr bwMode="white">
+          <a:xfrm>
+            <a:off x="0" y="0"/>
+            <a:ext cx="12192000" cy="6858000"/>
+          </a:xfrm>
+          <a:prstGeom prst="rect">
+            <a:avLst/>
+          </a:prstGeom>
+          <a:solidFill>
+            <a:schemeClr val="bg1"/>
+          </a:solidFill>
+          <a:ln>
+            <a:noFill/>
+          </a:ln>
+          <a:effectLst/>
+        </p:spPr>
+      </p:sp>
+      <p:sp>
+        <p:nvSpPr>
+          <p:cNvPr id="2" name="Title 1">
+            <a:extLst>
+              <a:ext uri="{FF2B5EF4-FFF2-40B4-BE49-F238E27FC236}">
+                <a16:creationId xmlns:a16="http://schemas.microsoft.com/office/drawing/2014/main" id="{1FCF8BFB-94B7-4CE5-8013-D463F452502F}"/>
+              </a:ext>
+            </a:extLst>
+          </p:cNvPr>
+          <p:cNvSpPr>
+            <a:spLocks noGrp="1"/>
+          </p:cNvSpPr>
+          <p:nvPr>
+            <p:ph type="title"/>
+          </p:nvPr>
+        </p:nvSpPr>
+        <p:spPr>
+          <a:xfrm>
+            <a:off x="530087" y="1046922"/>
+            <a:ext cx="11053918" cy="4848522"/>
+          </a:xfrm>
+        </p:spPr>
+        <p:txBody>
+          <a:bodyPr vert="horz" lIns="91440" tIns="45720" rIns="91440" bIns="45720" rtlCol="0" anchor="ctr">
+            <a:normAutofit/>
+          </a:bodyPr>
+          <a:lstStyle/>
+          <a:p>
+            <a:pPr algn="ctr"/>
+            <a:r>
+              <a:rPr lang="en-US" sz="7200" dirty="0"/>
               <a:t>Questions?</a:t>
             </a:r>
             <a:endParaRPr lang="en-US" dirty="0"/>
@@ -4894,7 +5070,7 @@
 </p:sld>
 </file>
 
-<file path=ppt/slides/slide8.xml><?xml version="1.0" encoding="utf-8"?>
+<file path=ppt/slides/slide9.xml><?xml version="1.0" encoding="utf-8"?>
 <p:sld xmlns:a="http://schemas.openxmlformats.org/drawingml/2006/main" xmlns:r="http://schemas.openxmlformats.org/officeDocument/2006/relationships" xmlns:p="http://schemas.openxmlformats.org/presentationml/2006/main">
   <p:cSld>
     <p:spTree>

--- a/presentation/Janus.pptx
+++ b/presentation/Janus.pptx
@@ -3898,8 +3898,8 @@
         </p:nvSpPr>
         <p:spPr>
           <a:xfrm>
-            <a:off x="594110" y="2121763"/>
-            <a:ext cx="3764826" cy="3773010"/>
+            <a:off x="594109" y="2121763"/>
+            <a:ext cx="4075081" cy="3773010"/>
           </a:xfrm>
         </p:spPr>
         <p:txBody>
@@ -4143,6 +4143,16 @@
                 </a:solidFill>
               </a:rPr>
               <a:t>Many people access same account</a:t>
+            </a:r>
+          </a:p>
+          <a:p>
+            <a:r>
+              <a:rPr lang="en-US" sz="3200" dirty="0">
+                <a:solidFill>
+                  <a:schemeClr val="bg1"/>
+                </a:solidFill>
+              </a:rPr>
+              <a:t>No knowledge sharing</a:t>
             </a:r>
           </a:p>
           <a:p>
@@ -4671,6 +4681,16 @@
                 </a:solidFill>
               </a:rPr>
               <a:t>Simplify account access</a:t>
+            </a:r>
+          </a:p>
+          <a:p>
+            <a:r>
+              <a:rPr lang="en-US" sz="3200" dirty="0">
+                <a:solidFill>
+                  <a:schemeClr val="bg1"/>
+                </a:solidFill>
+              </a:rPr>
+              <a:t>Manage contacts</a:t>
             </a:r>
           </a:p>
           <a:p>
